--- a/LogScannerSystem.pptx
+++ b/LogScannerSystem.pptx
@@ -23563,8 +23563,8 @@
         </p:blipFill>
         <p:spPr>
           <a:xfrm>
-            <a:off x="797980" y="0"/>
-            <a:ext cx="10252953" cy="3618689"/>
+            <a:off x="181963" y="312946"/>
+            <a:ext cx="9366273" cy="3305743"/>
           </a:xfrm>
           <a:prstGeom prst="rect">
             <a:avLst/>
